--- a/ADS1 Assignement3 22074395 [Autosaved].pptx
+++ b/ADS1 Assignement3 22074395 [Autosaved].pptx
@@ -4312,7 +4312,7 @@
               <a:t>difference</a:t>
             </a:r>
             <a:r>
-              <a:rPr lang="fr-FR" sz="2200"/>
+              <a:rPr lang="fr-FR" sz="2200" dirty="0"/>
               <a:t>.</a:t>
             </a:r>
             <a:endParaRPr lang="fr-FR" sz="2200" b="1" u="sng" dirty="0"/>
@@ -4696,7 +4696,23 @@
             </a:r>
             <a:r>
               <a:rPr lang="fr-FR" sz="2200" dirty="0" err="1"/>
-              <a:t>say</a:t>
+              <a:t>guess</a:t>
+            </a:r>
+            <a:r>
+              <a:rPr lang="fr-FR" sz="2200" dirty="0"/>
+              <a:t> the </a:t>
+            </a:r>
+            <a:r>
+              <a:rPr lang="fr-FR" sz="2200" dirty="0" err="1"/>
+              <a:t>demand</a:t>
+            </a:r>
+            <a:r>
+              <a:rPr lang="fr-FR" sz="2200" dirty="0"/>
+              <a:t> for non-</a:t>
+            </a:r>
+            <a:r>
+              <a:rPr lang="fr-FR" sz="2200" dirty="0" err="1"/>
+              <a:t>renewable</a:t>
             </a:r>
             <a:r>
               <a:rPr lang="fr-FR" sz="2200" dirty="0"/>
@@ -4704,7 +4720,15 @@
             </a:r>
             <a:r>
               <a:rPr lang="fr-FR" sz="2200" dirty="0" err="1"/>
-              <a:t>that</a:t>
+              <a:t>solid</a:t>
+            </a:r>
+            <a:r>
+              <a:rPr lang="fr-FR" sz="2200" dirty="0"/>
+              <a:t> fuels. But more </a:t>
+            </a:r>
+            <a:r>
+              <a:rPr lang="fr-FR" sz="2200" dirty="0" err="1"/>
+              <a:t>indicators</a:t>
             </a:r>
             <a:r>
               <a:rPr lang="fr-FR" sz="2200" dirty="0"/>
@@ -4712,7 +4736,15 @@
             </a:r>
             <a:r>
               <a:rPr lang="fr-FR" sz="2200" dirty="0" err="1"/>
-              <a:t>it</a:t>
+              <a:t>need</a:t>
+            </a:r>
+            <a:r>
+              <a:rPr lang="fr-FR" sz="2200" dirty="0"/>
+              <a:t> to </a:t>
+            </a:r>
+            <a:r>
+              <a:rPr lang="fr-FR" sz="2200" dirty="0" err="1"/>
+              <a:t>be</a:t>
             </a:r>
             <a:r>
               <a:rPr lang="fr-FR" sz="2200" dirty="0"/>
@@ -4720,7 +4752,7 @@
             </a:r>
             <a:r>
               <a:rPr lang="fr-FR" sz="2200" dirty="0" err="1"/>
-              <a:t>will</a:t>
+              <a:t>considered</a:t>
             </a:r>
             <a:r>
               <a:rPr lang="fr-FR" sz="2200" dirty="0"/>
@@ -4728,23 +4760,7 @@
             </a:r>
             <a:r>
               <a:rPr lang="fr-FR" sz="2200" dirty="0" err="1"/>
-              <a:t>reduce</a:t>
-            </a:r>
-            <a:r>
-              <a:rPr lang="fr-FR" sz="2200" dirty="0"/>
-              <a:t> the </a:t>
-            </a:r>
-            <a:r>
-              <a:rPr lang="fr-FR" sz="2200" dirty="0" err="1"/>
-              <a:t>demand</a:t>
-            </a:r>
-            <a:r>
-              <a:rPr lang="fr-FR" sz="2200" dirty="0"/>
-              <a:t> for non-</a:t>
-            </a:r>
-            <a:r>
-              <a:rPr lang="fr-FR" sz="2200" dirty="0" err="1"/>
-              <a:t>renewable</a:t>
+              <a:t>before</a:t>
             </a:r>
             <a:r>
               <a:rPr lang="fr-FR" sz="2200" dirty="0"/>
@@ -4752,11 +4768,19 @@
             </a:r>
             <a:r>
               <a:rPr lang="fr-FR" sz="2200" dirty="0" err="1"/>
-              <a:t>solid</a:t>
-            </a:r>
-            <a:r>
-              <a:rPr lang="fr-FR" sz="2200" dirty="0"/>
-              <a:t> fuels.</a:t>
+              <a:t>taking</a:t>
+            </a:r>
+            <a:r>
+              <a:rPr lang="fr-FR" sz="2200" dirty="0"/>
+              <a:t> a </a:t>
+            </a:r>
+            <a:r>
+              <a:rPr lang="fr-FR" sz="2200" dirty="0" err="1"/>
+              <a:t>decision</a:t>
+            </a:r>
+            <a:r>
+              <a:rPr lang="fr-FR" sz="2200" dirty="0"/>
+              <a:t>.</a:t>
             </a:r>
           </a:p>
         </p:txBody>

--- a/ADS1 Assignement3 22074395 [Autosaved].pptx
+++ b/ADS1 Assignement3 22074395 [Autosaved].pptx
@@ -3062,7 +3062,15 @@
             </a:br>
             <a:r>
               <a:rPr lang="en-IN" sz="3200" dirty="0"/>
-              <a:t>In this analysis, we are going to look at 6 countries. Namely, India, China, Japan, Germany, United States and United Kingdom. The dataset used contains information regarding climate change for countries from the year 1960 to 2022. This project identifies clusters in the dataset and attempts to fit an exponential function to predict the % of urban population for a selected country. Clusters are formed based on the urban population % and CO2 emission from solid fuel and the electricity consumption by each country. K-means along with silhouette score was used to achieve clustering.</a:t>
+              <a:t>In this analysis, we are going to look at 6 countries. Namely, India, China, Japan, Germany, United States and United Kingdom. The dataset used contains information regarding climate change for countries from the year 1960 to 2022. This project identifies clusters in the dataset and attempts to </a:t>
+            </a:r>
+            <a:r>
+              <a:rPr lang="en-IN" sz="3200"/>
+              <a:t>fit a function </a:t>
+            </a:r>
+            <a:r>
+              <a:rPr lang="en-IN" sz="3200" dirty="0"/>
+              <a:t>to predict the % of urban population for a selected country. Clusters are formed based on the urban population % and CO2 emission from solid fuel and the electricity consumption by each country. K-means along with silhouette score was used to achieve clustering.</a:t>
             </a:r>
             <a:br>
               <a:rPr lang="en-IN" sz="3200" dirty="0"/>
@@ -3249,7 +3257,7 @@
             </a:br>
             <a:r>
               <a:rPr lang="en-IN" sz="2200" dirty="0"/>
-              <a:t>From the 6 countries, India and China have been grouped together and Japan, United Kingdom, United States and Germany have been grouped as one. What we can derive from this is that, the cluster has identified countries that are developing and developed. Which might explain why 4 countries have relatively very high urban population percentage. Contrary to normal belief that more urban cities cause pollution, it can be seen that despite having a significant difference in urban population, carbon output from solid fuels is way lesser in comparison to India and China. This could be due to availability of other power sources and in general a reduced use of solid fuel. For example most of the farming equipment might use solid fuels and electricity for rural areas might still use older technology which requires coal etc. Along with this, it could be assumed that the urban population has more options to reduce their carbon output by trying to use different sources of energy in comparison to rural or non-urban population. </a:t>
+              <a:t>From the 6 countries, India, China have been grouped together and Japan, United Kingdom, United States and Germany have been grouped together. What we can derive from this is that, the cluster has identified countries that are developing and developed. Which might explain why 4 countries have relatively very high urban population percentage. Contrary to normal belief that more urban cities cause pollution, it can be seen that despite having a significant difference in urban population, carbon output from solid fuels is way lesser in comparison to India and China. This could be due to availability of other power sources and in general a reduced use of solid fuel. For example most of the farming equipment might use solid fuels and electricity for rural areas might still use older technology which requires coal etc. Along with this, it could be assumed that the urban population has more options to reduce their carbon output by trying to use different sources of energy in comparison to rural or non-urban population. </a:t>
             </a:r>
             <a:br>
               <a:rPr lang="en-IN" sz="2200" dirty="0"/>
@@ -3332,7 +3340,7 @@
             </a:br>
             <a:r>
               <a:rPr lang="en-IN" sz="2200" dirty="0"/>
-              <a:t>below, we can see that United</a:t>
+              <a:t>, we can see that United</a:t>
             </a:r>
             <a:br>
               <a:rPr lang="en-IN" sz="2200" dirty="0"/>
@@ -3360,7 +3368,7 @@
             </a:br>
             <a:r>
               <a:rPr lang="en-IN" sz="2200" dirty="0"/>
-              <a:t>India and China has the largest populations, both of them have relatively low electric power consumption. This could be explained by both of them having lower urban population. In the previous cluster graph, we assumed that urban population must have more options other than solid fuel for their power/electricity needs. This conclusion seems to be justified in this plot. It can be said that with more urban population, the electricity power consumption increases as well. Despite Germany being relatively bigger than both Japan and United Kingdom, it has been clustered together with them. This could be due Germany’s goal of reducing carbon output and shifting 60% of electricity production to renewable sources by 2050. Another reason for Germany, UK and Japan having lesser consumption could be that the USA has way bigger houses when compared to all the other countries. </a:t>
+              <a:t>India and China has the largest populations, both of them have relatively low electric power consumption. This could be explained by both of them having lower urban population. In the previous cluster graph, we assumed that urban population must have more options other than solid fuel for their power/electricity needs. This conclusion seems to be justified in this plot. It can be said that with more urban population, the electricity power consumption increases as well. Despite Germany being relatively bigger than both Japan and United Kingdom, it has been clustered together with them. This could be due Germany’s goal of reducing carbon output and shifting 60% of electricity production to renewable sources by 2050. Another reason why Germany, UK and Japan having lesser consumption could be that the USA has way bigger houses when compared to all the other countries. </a:t>
             </a:r>
           </a:p>
           <a:p>
@@ -5171,6 +5179,79 @@
           </a:prstGeom>
         </p:spPr>
       </p:pic>
+      <p:cxnSp>
+        <p:nvCxnSpPr>
+          <p:cNvPr id="28" name="Straight Connector 27">
+            <a:extLst>
+              <a:ext uri="{FF2B5EF4-FFF2-40B4-BE49-F238E27FC236}">
+                <a16:creationId xmlns:a16="http://schemas.microsoft.com/office/drawing/2014/main" id="{D4402D36-B135-301C-3C52-DE318CD0942B}"/>
+              </a:ext>
+            </a:extLst>
+          </p:cNvPr>
+          <p:cNvCxnSpPr/>
+          <p:nvPr/>
+        </p:nvCxnSpPr>
+        <p:spPr>
+          <a:xfrm>
+            <a:off x="35703" y="3142830"/>
+            <a:ext cx="21312216" cy="0"/>
+          </a:xfrm>
+          <a:prstGeom prst="line">
+            <a:avLst/>
+          </a:prstGeom>
+          <a:ln/>
+        </p:spPr>
+        <p:style>
+          <a:lnRef idx="1">
+            <a:schemeClr val="dk1"/>
+          </a:lnRef>
+          <a:fillRef idx="0">
+            <a:schemeClr val="dk1"/>
+          </a:fillRef>
+          <a:effectRef idx="0">
+            <a:schemeClr val="dk1"/>
+          </a:effectRef>
+          <a:fontRef idx="minor">
+            <a:schemeClr val="tx1"/>
+          </a:fontRef>
+        </p:style>
+      </p:cxnSp>
+      <p:cxnSp>
+        <p:nvCxnSpPr>
+          <p:cNvPr id="32" name="Straight Connector 31">
+            <a:extLst>
+              <a:ext uri="{FF2B5EF4-FFF2-40B4-BE49-F238E27FC236}">
+                <a16:creationId xmlns:a16="http://schemas.microsoft.com/office/drawing/2014/main" id="{ABE4E34F-02B2-0C96-6159-B1131EB3E6CE}"/>
+              </a:ext>
+            </a:extLst>
+          </p:cNvPr>
+          <p:cNvCxnSpPr/>
+          <p:nvPr/>
+        </p:nvCxnSpPr>
+        <p:spPr>
+          <a:xfrm>
+            <a:off x="10798559" y="3142830"/>
+            <a:ext cx="26901" cy="27132383"/>
+          </a:xfrm>
+          <a:prstGeom prst="line">
+            <a:avLst/>
+          </a:prstGeom>
+        </p:spPr>
+        <p:style>
+          <a:lnRef idx="1">
+            <a:schemeClr val="dk1"/>
+          </a:lnRef>
+          <a:fillRef idx="0">
+            <a:schemeClr val="dk1"/>
+          </a:fillRef>
+          <a:effectRef idx="0">
+            <a:schemeClr val="dk1"/>
+          </a:effectRef>
+          <a:fontRef idx="minor">
+            <a:schemeClr val="tx1"/>
+          </a:fontRef>
+        </p:style>
+      </p:cxnSp>
     </p:spTree>
     <p:extLst>
       <p:ext uri="{BB962C8B-B14F-4D97-AF65-F5344CB8AC3E}">
